--- a/RM_Cedeplar.pptx
+++ b/RM_Cedeplar.pptx
@@ -143,6 +143,80 @@
     </p:ext>
   </p:extLst>
 </p:presentation>
+</file>
+
+<file path=ppt/changesInfos/changesInfo1.xml><?xml version="1.0" encoding="utf-8"?>
+<pc:chgInfo xmlns:a="http://schemas.openxmlformats.org/drawingml/2006/main" xmlns:r="http://schemas.openxmlformats.org/officeDocument/2006/relationships" xmlns:ac="http://schemas.microsoft.com/office/drawing/2013/main/command" xmlns:pc="http://schemas.microsoft.com/office/powerpoint/2013/main/command">
+  <pc:docChgLst>
+    <pc:chgData name="Ryohei Mogi" userId="cc7782be-81ad-4ade-a34f-5274821000e5" providerId="ADAL" clId="{92359278-595C-44AC-B8D5-CFC663538F1D}"/>
+    <pc:docChg chg="modSld">
+      <pc:chgData name="Ryohei Mogi" userId="cc7782be-81ad-4ade-a34f-5274821000e5" providerId="ADAL" clId="{92359278-595C-44AC-B8D5-CFC663538F1D}" dt="2022-11-18T10:22:30.144" v="48" actId="20577"/>
+      <pc:docMkLst>
+        <pc:docMk/>
+      </pc:docMkLst>
+      <pc:sldChg chg="modSp mod">
+        <pc:chgData name="Ryohei Mogi" userId="cc7782be-81ad-4ade-a34f-5274821000e5" providerId="ADAL" clId="{92359278-595C-44AC-B8D5-CFC663538F1D}" dt="2022-11-18T10:21:23.591" v="24" actId="20577"/>
+        <pc:sldMkLst>
+          <pc:docMk/>
+          <pc:sldMk cId="1801330824" sldId="295"/>
+        </pc:sldMkLst>
+        <pc:spChg chg="mod">
+          <ac:chgData name="Ryohei Mogi" userId="cc7782be-81ad-4ade-a34f-5274821000e5" providerId="ADAL" clId="{92359278-595C-44AC-B8D5-CFC663538F1D}" dt="2022-11-18T10:21:23.591" v="24" actId="20577"/>
+          <ac:spMkLst>
+            <pc:docMk/>
+            <pc:sldMk cId="1801330824" sldId="295"/>
+            <ac:spMk id="3" creationId="{D3952C30-8B68-4EE3-0617-7056528B8917}"/>
+          </ac:spMkLst>
+        </pc:spChg>
+      </pc:sldChg>
+      <pc:sldChg chg="modSp mod">
+        <pc:chgData name="Ryohei Mogi" userId="cc7782be-81ad-4ade-a34f-5274821000e5" providerId="ADAL" clId="{92359278-595C-44AC-B8D5-CFC663538F1D}" dt="2022-11-18T10:21:17.921" v="13" actId="20577"/>
+        <pc:sldMkLst>
+          <pc:docMk/>
+          <pc:sldMk cId="3192289611" sldId="297"/>
+        </pc:sldMkLst>
+        <pc:spChg chg="mod">
+          <ac:chgData name="Ryohei Mogi" userId="cc7782be-81ad-4ade-a34f-5274821000e5" providerId="ADAL" clId="{92359278-595C-44AC-B8D5-CFC663538F1D}" dt="2022-11-18T10:21:17.921" v="13" actId="20577"/>
+          <ac:spMkLst>
+            <pc:docMk/>
+            <pc:sldMk cId="3192289611" sldId="297"/>
+            <ac:spMk id="3" creationId="{D3952C30-8B68-4EE3-0617-7056528B8917}"/>
+          </ac:spMkLst>
+        </pc:spChg>
+      </pc:sldChg>
+      <pc:sldChg chg="modSp mod">
+        <pc:chgData name="Ryohei Mogi" userId="cc7782be-81ad-4ade-a34f-5274821000e5" providerId="ADAL" clId="{92359278-595C-44AC-B8D5-CFC663538F1D}" dt="2022-11-18T10:21:30.954" v="35" actId="20577"/>
+        <pc:sldMkLst>
+          <pc:docMk/>
+          <pc:sldMk cId="509431978" sldId="298"/>
+        </pc:sldMkLst>
+        <pc:spChg chg="mod">
+          <ac:chgData name="Ryohei Mogi" userId="cc7782be-81ad-4ade-a34f-5274821000e5" providerId="ADAL" clId="{92359278-595C-44AC-B8D5-CFC663538F1D}" dt="2022-11-18T10:21:30.954" v="35" actId="20577"/>
+          <ac:spMkLst>
+            <pc:docMk/>
+            <pc:sldMk cId="509431978" sldId="298"/>
+            <ac:spMk id="3" creationId="{D3952C30-8B68-4EE3-0617-7056528B8917}"/>
+          </ac:spMkLst>
+        </pc:spChg>
+      </pc:sldChg>
+      <pc:sldChg chg="modSp mod">
+        <pc:chgData name="Ryohei Mogi" userId="cc7782be-81ad-4ade-a34f-5274821000e5" providerId="ADAL" clId="{92359278-595C-44AC-B8D5-CFC663538F1D}" dt="2022-11-18T10:22:30.144" v="48" actId="20577"/>
+        <pc:sldMkLst>
+          <pc:docMk/>
+          <pc:sldMk cId="2402313421" sldId="327"/>
+        </pc:sldMkLst>
+        <pc:spChg chg="mod">
+          <ac:chgData name="Ryohei Mogi" userId="cc7782be-81ad-4ade-a34f-5274821000e5" providerId="ADAL" clId="{92359278-595C-44AC-B8D5-CFC663538F1D}" dt="2022-11-18T10:22:30.144" v="48" actId="20577"/>
+          <ac:spMkLst>
+            <pc:docMk/>
+            <pc:sldMk cId="2402313421" sldId="327"/>
+            <ac:spMk id="3" creationId="{BD6CFEA0-DB90-C0D6-C65B-EEB86750E96B}"/>
+          </ac:spMkLst>
+        </pc:spChg>
+      </pc:sldChg>
+    </pc:docChg>
+  </pc:docChgLst>
+</pc:chgInfo>
 </file>
 
 <file path=ppt/slideLayouts/slideLayout1.xml><?xml version="1.0" encoding="utf-8"?>
@@ -3816,15 +3890,12 @@
                 <a:latin typeface="Helvetica" panose="020B0604020202020204" pitchFamily="34" charset="0"/>
                 <a:cs typeface="Helvetica" panose="020B0604020202020204" pitchFamily="34" charset="0"/>
               </a:rPr>
-              <a:t>Tokyo → Rome → Barcelona → Oxford → Odense </a:t>
-            </a:r>
-            <a:r>
-              <a:rPr lang="en-US" sz="1800" dirty="0">
-                <a:latin typeface="Helvetica" panose="020B0604020202020204" pitchFamily="34" charset="0"/>
-                <a:cs typeface="Helvetica" panose="020B0604020202020204" pitchFamily="34" charset="0"/>
-              </a:rPr>
-              <a:t>(no more!)</a:t>
-            </a:r>
+              <a:t>Tokyo → Rome → Barcelona → Oxford → Odense</a:t>
+            </a:r>
+            <a:endParaRPr lang="en-US" sz="1800" dirty="0">
+              <a:latin typeface="Helvetica" panose="020B0604020202020204" pitchFamily="34" charset="0"/>
+              <a:cs typeface="Helvetica" panose="020B0604020202020204" pitchFamily="34" charset="0"/>
+            </a:endParaRPr>
           </a:p>
         </p:txBody>
       </p:sp>
@@ -5585,18 +5656,15 @@
                 <a:latin typeface="Helvetica" panose="020B0604020202020204" pitchFamily="34" charset="0"/>
                 <a:cs typeface="Helvetica" panose="020B0604020202020204" pitchFamily="34" charset="0"/>
               </a:rPr>
-              <a:t>Tokyo → Rome → Barcelona → Oxford → Odense </a:t>
-            </a:r>
-            <a:r>
-              <a:rPr lang="en-US" sz="1800" dirty="0">
-                <a:solidFill>
-                  <a:srgbClr val="EDE8E4"/>
-                </a:solidFill>
-                <a:latin typeface="Helvetica" panose="020B0604020202020204" pitchFamily="34" charset="0"/>
-                <a:cs typeface="Helvetica" panose="020B0604020202020204" pitchFamily="34" charset="0"/>
-              </a:rPr>
-              <a:t>(no more!)</a:t>
-            </a:r>
+              <a:t>Tokyo → Rome → Barcelona → Oxford → Odense</a:t>
+            </a:r>
+            <a:endParaRPr lang="en-US" sz="1800" dirty="0">
+              <a:solidFill>
+                <a:srgbClr val="EDE8E4"/>
+              </a:solidFill>
+              <a:latin typeface="Helvetica" panose="020B0604020202020204" pitchFamily="34" charset="0"/>
+              <a:cs typeface="Helvetica" panose="020B0604020202020204" pitchFamily="34" charset="0"/>
+            </a:endParaRPr>
           </a:p>
           <a:p>
             <a:pPr marL="457200" indent="-457200">
@@ -12084,18 +12152,15 @@
                 <a:latin typeface="Helvetica" panose="020B0604020202020204" pitchFamily="34" charset="0"/>
                 <a:cs typeface="Helvetica" panose="020B0604020202020204" pitchFamily="34" charset="0"/>
               </a:rPr>
-              <a:t>Tokyo → Rome → Barcelona → Oxford → Odense </a:t>
-            </a:r>
-            <a:r>
-              <a:rPr lang="en-US" sz="1800" dirty="0">
-                <a:solidFill>
-                  <a:srgbClr val="EDE8E4"/>
-                </a:solidFill>
-                <a:latin typeface="Helvetica" panose="020B0604020202020204" pitchFamily="34" charset="0"/>
-                <a:cs typeface="Helvetica" panose="020B0604020202020204" pitchFamily="34" charset="0"/>
-              </a:rPr>
-              <a:t>(no more!)</a:t>
-            </a:r>
+              <a:t>Tokyo → Rome → Barcelona → Oxford → Odense</a:t>
+            </a:r>
+            <a:endParaRPr lang="en-US" sz="1800" dirty="0">
+              <a:solidFill>
+                <a:srgbClr val="EDE8E4"/>
+              </a:solidFill>
+              <a:latin typeface="Helvetica" panose="020B0604020202020204" pitchFamily="34" charset="0"/>
+              <a:cs typeface="Helvetica" panose="020B0604020202020204" pitchFamily="34" charset="0"/>
+            </a:endParaRPr>
           </a:p>
           <a:p>
             <a:pPr marL="457200" indent="-457200">
@@ -12495,7 +12560,7 @@
             </a:pPr>
             <a:r>
               <a:rPr lang="en-US" sz="2000" dirty="0"/>
-              <a:t>(5 mins break)</a:t>
+              <a:t>(10 mins break)</a:t>
             </a:r>
           </a:p>
           <a:p>
@@ -12511,8 +12576,13 @@
             </a:pPr>
             <a:r>
               <a:rPr lang="en-US" dirty="0"/>
-              <a:t>Hands-on training (1 h)</a:t>
-            </a:r>
+              <a:t>Hands-on </a:t>
+            </a:r>
+            <a:r>
+              <a:rPr lang="en-US"/>
+              <a:t>training (55 mins)</a:t>
+            </a:r>
+            <a:endParaRPr lang="en-US" dirty="0"/>
           </a:p>
           <a:p>
             <a:pPr marL="1200150" lvl="2" indent="-512763"/>

--- a/RM_Cedeplar.pptx
+++ b/RM_Cedeplar.pptx
@@ -145,8 +145,40 @@
 </p:presentation>
 </file>
 
+<file path=ppt/revisionInfo.xml><?xml version="1.0" encoding="utf-8"?>
+<p1510:revInfo xmlns:a="http://schemas.openxmlformats.org/drawingml/2006/main" xmlns:r="http://schemas.openxmlformats.org/officeDocument/2006/relationships" xmlns:p1510="http://schemas.microsoft.com/office/powerpoint/2015/10/main">
+  <p1510:revLst>
+    <p1510:client id="{88107E02-E226-48B6-A130-765EC1B9EF71}" v="8" dt="2022-11-21T07:17:42.671"/>
+  </p1510:revLst>
+</p1510:revInfo>
+</file>
+
 <file path=ppt/changesInfos/changesInfo1.xml><?xml version="1.0" encoding="utf-8"?>
 <pc:chgInfo xmlns:a="http://schemas.openxmlformats.org/drawingml/2006/main" xmlns:r="http://schemas.openxmlformats.org/officeDocument/2006/relationships" xmlns:ac="http://schemas.microsoft.com/office/drawing/2013/main/command" xmlns:pc="http://schemas.microsoft.com/office/powerpoint/2013/main/command">
+  <pc:docChgLst>
+    <pc:chgData name="Ryohei Mogi" userId="cc7782be-81ad-4ade-a34f-5274821000e5" providerId="ADAL" clId="{88107E02-E226-48B6-A130-765EC1B9EF71}"/>
+    <pc:docChg chg="modSld">
+      <pc:chgData name="Ryohei Mogi" userId="cc7782be-81ad-4ade-a34f-5274821000e5" providerId="ADAL" clId="{88107E02-E226-48B6-A130-765EC1B9EF71}" dt="2022-11-21T07:17:42.671" v="7" actId="20577"/>
+      <pc:docMkLst>
+        <pc:docMk/>
+      </pc:docMkLst>
+      <pc:sldChg chg="modSp">
+        <pc:chgData name="Ryohei Mogi" userId="cc7782be-81ad-4ade-a34f-5274821000e5" providerId="ADAL" clId="{88107E02-E226-48B6-A130-765EC1B9EF71}" dt="2022-11-21T07:17:42.671" v="7" actId="20577"/>
+        <pc:sldMkLst>
+          <pc:docMk/>
+          <pc:sldMk cId="645992202" sldId="343"/>
+        </pc:sldMkLst>
+        <pc:graphicFrameChg chg="mod">
+          <ac:chgData name="Ryohei Mogi" userId="cc7782be-81ad-4ade-a34f-5274821000e5" providerId="ADAL" clId="{88107E02-E226-48B6-A130-765EC1B9EF71}" dt="2022-11-21T07:17:42.671" v="7" actId="20577"/>
+          <ac:graphicFrameMkLst>
+            <pc:docMk/>
+            <pc:sldMk cId="645992202" sldId="343"/>
+            <ac:graphicFrameMk id="12" creationId="{AE138AC3-DDC1-965A-220F-107D873A49B1}"/>
+          </ac:graphicFrameMkLst>
+        </pc:graphicFrameChg>
+      </pc:sldChg>
+    </pc:docChg>
+  </pc:docChgLst>
   <pc:docChgLst>
     <pc:chgData name="Ryohei Mogi" userId="cc7782be-81ad-4ade-a34f-5274821000e5" providerId="ADAL" clId="{92359278-595C-44AC-B8D5-CFC663538F1D}"/>
     <pc:docChg chg="modSld">
@@ -7495,8 +7527,8 @@
           </a:p>
         </p:txBody>
       </p:sp>
-      <mc:AlternateContent xmlns:mc="http://schemas.openxmlformats.org/markup-compatibility/2006" xmlns:a14="http://schemas.microsoft.com/office/drawing/2010/main">
-        <mc:Choice Requires="a14">
+      <mc:AlternateContent xmlns:mc="http://schemas.openxmlformats.org/markup-compatibility/2006">
+        <mc:Choice xmlns:a14="http://schemas.microsoft.com/office/drawing/2010/main" Requires="a14">
           <p:graphicFrame>
             <p:nvGraphicFramePr>
               <p:cNvPr id="12" name="Table 11">
@@ -7512,7 +7544,7 @@
               <p:nvPr>
                 <p:extLst>
                   <p:ext uri="{D42A27DB-BD31-4B8C-83A1-F6EECF244321}">
-                    <p14:modId xmlns:p14="http://schemas.microsoft.com/office/powerpoint/2010/main" val="4021835465"/>
+                    <p14:modId xmlns:p14="http://schemas.microsoft.com/office/powerpoint/2010/main" val="2991788362"/>
                   </p:ext>
                 </p:extLst>
               </p:nvPr>
@@ -8204,7 +8236,19 @@
                                       <a:rPr lang="en-US" sz="1400" b="0" i="1" smtClean="0">
                                         <a:latin typeface="Cambria Math" panose="02040503050406030204" pitchFamily="18" charset="0"/>
                                       </a:rPr>
-                                      <m:t>12, 2002</m:t>
+                                      <m:t>1</m:t>
+                                    </m:r>
+                                    <m:r>
+                                      <a:rPr lang="en-US" sz="1400" b="0" i="1" smtClean="0">
+                                        <a:latin typeface="Cambria Math" panose="02040503050406030204" pitchFamily="18" charset="0"/>
+                                      </a:rPr>
+                                      <m:t>3</m:t>
+                                    </m:r>
+                                    <m:r>
+                                      <a:rPr lang="en-US" sz="1400" b="0" i="1" smtClean="0">
+                                        <a:latin typeface="Cambria Math" panose="02040503050406030204" pitchFamily="18" charset="0"/>
+                                      </a:rPr>
+                                      <m:t>, 2002</m:t>
                                     </m:r>
                                   </m:sub>
                                 </m:sSub>
@@ -8261,7 +8305,19 @@
                                       <a:rPr lang="en-US" sz="1400" b="0" i="1" smtClean="0">
                                         <a:latin typeface="Cambria Math" panose="02040503050406030204" pitchFamily="18" charset="0"/>
                                       </a:rPr>
-                                      <m:t>12, 2002</m:t>
+                                      <m:t>1</m:t>
+                                    </m:r>
+                                    <m:r>
+                                      <a:rPr lang="en-US" sz="1400" b="0" i="1" smtClean="0">
+                                        <a:latin typeface="Cambria Math" panose="02040503050406030204" pitchFamily="18" charset="0"/>
+                                      </a:rPr>
+                                      <m:t>3</m:t>
+                                    </m:r>
+                                    <m:r>
+                                      <a:rPr lang="en-US" sz="1400" b="0" i="1" smtClean="0">
+                                        <a:latin typeface="Cambria Math" panose="02040503050406030204" pitchFamily="18" charset="0"/>
+                                      </a:rPr>
+                                      <m:t>, 2002</m:t>
                                     </m:r>
                                   </m:sub>
                                 </m:sSub>
@@ -8345,7 +8401,7 @@
             </a:graphic>
           </p:graphicFrame>
         </mc:Choice>
-        <mc:Fallback xmlns="">
+        <mc:Fallback>
           <p:graphicFrame>
             <p:nvGraphicFramePr>
               <p:cNvPr id="12" name="Table 11">
@@ -8361,7 +8417,7 @@
               <p:nvPr>
                 <p:extLst>
                   <p:ext uri="{D42A27DB-BD31-4B8C-83A1-F6EECF244321}">
-                    <p14:modId xmlns:p14="http://schemas.microsoft.com/office/powerpoint/2010/main" val="4021835465"/>
+                    <p14:modId xmlns:p14="http://schemas.microsoft.com/office/powerpoint/2010/main" val="2991788362"/>
                   </p:ext>
                 </p:extLst>
               </p:nvPr>
